--- a/# lecture_slides/ch07/ch07_OOP.pptx
+++ b/# lecture_slides/ch07/ch07_OOP.pptx
@@ -50,7 +50,7 @@
   <p:notesSz cx="6805613" cy="9939338"/>
   <p:embeddedFontLst>
     <p:embeddedFont>
-      <p:font typeface="맑은 고딕" panose="020B0503020000020004" pitchFamily="50" charset="-127"/>
+      <p:font typeface="맑은 고딕" pitchFamily="50" charset="-127"/>
       <p:regular r:id="rId38"/>
       <p:bold r:id="rId39"/>
     </p:embeddedFont>
@@ -152,7 +152,7 @@
   </p:defaultTextStyle>
   <p:extLst>
     <p:ext uri="{EFAFB233-063F-42B5-8137-9DF3F51BA10A}">
-      <p15:sldGuideLst xmlns:p15="http://schemas.microsoft.com/office/powerpoint/2012/main">
+      <p15:sldGuideLst xmlns:p15="http://schemas.microsoft.com/office/powerpoint/2012/main" xmlns="">
         <p15:guide id="1" orient="horz" pos="2166">
           <p15:clr>
             <a:srgbClr val="A4A3A4"/>
@@ -236,7 +236,7 @@
       </p15:sldGuideLst>
     </p:ext>
     <p:ext uri="{2D200454-40CA-4A62-9FC3-DE9A4176ACB9}">
-      <p15:notesGuideLst xmlns:p15="http://schemas.microsoft.com/office/powerpoint/2012/main">
+      <p15:notesGuideLst xmlns:p15="http://schemas.microsoft.com/office/powerpoint/2012/main" xmlns="">
         <p15:guide id="1" orient="horz" pos="3131">
           <p15:clr>
             <a:srgbClr val="A4A3A4"/>
@@ -336,7 +336,7 @@
             <a:fld id="{207F23D9-DF40-4811-9C78-A2E2A32398DD}" type="datetimeFigureOut">
               <a:rPr lang="ko-KR" altLang="en-US" smtClean="0"/>
               <a:pPr/>
-              <a:t>2017-01-03</a:t>
+              <a:t>2018-06-13</a:t>
             </a:fld>
             <a:endParaRPr lang="ko-KR" altLang="en-US"/>
           </a:p>
@@ -412,7 +412,7 @@
     </p:spTree>
     <p:extLst>
       <p:ext uri="{BB962C8B-B14F-4D97-AF65-F5344CB8AC3E}">
-        <p14:creationId xmlns:p14="http://schemas.microsoft.com/office/powerpoint/2010/main" val="2891599686"/>
+        <p14:creationId xmlns:p14="http://schemas.microsoft.com/office/powerpoint/2010/main" xmlns="" val="2891599686"/>
       </p:ext>
     </p:extLst>
   </p:cSld>
@@ -503,7 +503,7 @@
             <a:fld id="{F3AF6795-A612-454E-AF7A-9192B1BEBB13}" type="datetimeFigureOut">
               <a:rPr lang="ko-KR" altLang="en-US" smtClean="0"/>
               <a:pPr/>
-              <a:t>2017-01-03</a:t>
+              <a:t>2018-06-13</a:t>
             </a:fld>
             <a:endParaRPr lang="ko-KR" altLang="en-US"/>
           </a:p>
@@ -674,7 +674,7 @@
     </p:spTree>
     <p:extLst>
       <p:ext uri="{BB962C8B-B14F-4D97-AF65-F5344CB8AC3E}">
-        <p14:creationId xmlns:p14="http://schemas.microsoft.com/office/powerpoint/2010/main" val="1587304990"/>
+        <p14:creationId xmlns:p14="http://schemas.microsoft.com/office/powerpoint/2010/main" xmlns="" val="1587304990"/>
       </p:ext>
     </p:extLst>
   </p:cSld>
@@ -851,7 +851,7 @@
     </p:spTree>
     <p:extLst>
       <p:ext uri="{BB962C8B-B14F-4D97-AF65-F5344CB8AC3E}">
-        <p14:creationId xmlns:p14="http://schemas.microsoft.com/office/powerpoint/2010/main" val="23495583"/>
+        <p14:creationId xmlns:p14="http://schemas.microsoft.com/office/powerpoint/2010/main" xmlns="" val="23495583"/>
       </p:ext>
     </p:extLst>
   </p:cSld>
@@ -936,7 +936,7 @@
     </p:spTree>
     <p:extLst>
       <p:ext uri="{BB962C8B-B14F-4D97-AF65-F5344CB8AC3E}">
-        <p14:creationId xmlns:p14="http://schemas.microsoft.com/office/powerpoint/2010/main" val="1308647804"/>
+        <p14:creationId xmlns:p14="http://schemas.microsoft.com/office/powerpoint/2010/main" xmlns="" val="1308647804"/>
       </p:ext>
     </p:extLst>
   </p:cSld>
@@ -1021,7 +1021,7 @@
     </p:spTree>
     <p:extLst>
       <p:ext uri="{BB962C8B-B14F-4D97-AF65-F5344CB8AC3E}">
-        <p14:creationId xmlns:p14="http://schemas.microsoft.com/office/powerpoint/2010/main" val="1119335186"/>
+        <p14:creationId xmlns:p14="http://schemas.microsoft.com/office/powerpoint/2010/main" xmlns="" val="1119335186"/>
       </p:ext>
     </p:extLst>
   </p:cSld>
@@ -1106,7 +1106,7 @@
     </p:spTree>
     <p:extLst>
       <p:ext uri="{BB962C8B-B14F-4D97-AF65-F5344CB8AC3E}">
-        <p14:creationId xmlns:p14="http://schemas.microsoft.com/office/powerpoint/2010/main" val="3050468187"/>
+        <p14:creationId xmlns:p14="http://schemas.microsoft.com/office/powerpoint/2010/main" xmlns="" val="3050468187"/>
       </p:ext>
     </p:extLst>
   </p:cSld>
@@ -1191,7 +1191,7 @@
     </p:spTree>
     <p:extLst>
       <p:ext uri="{BB962C8B-B14F-4D97-AF65-F5344CB8AC3E}">
-        <p14:creationId xmlns:p14="http://schemas.microsoft.com/office/powerpoint/2010/main" val="3732295661"/>
+        <p14:creationId xmlns:p14="http://schemas.microsoft.com/office/powerpoint/2010/main" xmlns="" val="3732295661"/>
       </p:ext>
     </p:extLst>
   </p:cSld>
@@ -1276,7 +1276,7 @@
     </p:spTree>
     <p:extLst>
       <p:ext uri="{BB962C8B-B14F-4D97-AF65-F5344CB8AC3E}">
-        <p14:creationId xmlns:p14="http://schemas.microsoft.com/office/powerpoint/2010/main" val="1483826568"/>
+        <p14:creationId xmlns:p14="http://schemas.microsoft.com/office/powerpoint/2010/main" xmlns="" val="1483826568"/>
       </p:ext>
     </p:extLst>
   </p:cSld>
@@ -1361,7 +1361,7 @@
     </p:spTree>
     <p:extLst>
       <p:ext uri="{BB962C8B-B14F-4D97-AF65-F5344CB8AC3E}">
-        <p14:creationId xmlns:p14="http://schemas.microsoft.com/office/powerpoint/2010/main" val="2298713272"/>
+        <p14:creationId xmlns:p14="http://schemas.microsoft.com/office/powerpoint/2010/main" xmlns="" val="2298713272"/>
       </p:ext>
     </p:extLst>
   </p:cSld>
@@ -1446,7 +1446,7 @@
     </p:spTree>
     <p:extLst>
       <p:ext uri="{BB962C8B-B14F-4D97-AF65-F5344CB8AC3E}">
-        <p14:creationId xmlns:p14="http://schemas.microsoft.com/office/powerpoint/2010/main" val="888993259"/>
+        <p14:creationId xmlns:p14="http://schemas.microsoft.com/office/powerpoint/2010/main" xmlns="" val="888993259"/>
       </p:ext>
     </p:extLst>
   </p:cSld>
@@ -1531,7 +1531,7 @@
     </p:spTree>
     <p:extLst>
       <p:ext uri="{BB962C8B-B14F-4D97-AF65-F5344CB8AC3E}">
-        <p14:creationId xmlns:p14="http://schemas.microsoft.com/office/powerpoint/2010/main" val="737027485"/>
+        <p14:creationId xmlns:p14="http://schemas.microsoft.com/office/powerpoint/2010/main" xmlns="" val="737027485"/>
       </p:ext>
     </p:extLst>
   </p:cSld>
@@ -1616,7 +1616,7 @@
     </p:spTree>
     <p:extLst>
       <p:ext uri="{BB962C8B-B14F-4D97-AF65-F5344CB8AC3E}">
-        <p14:creationId xmlns:p14="http://schemas.microsoft.com/office/powerpoint/2010/main" val="2501020034"/>
+        <p14:creationId xmlns:p14="http://schemas.microsoft.com/office/powerpoint/2010/main" xmlns="" val="2501020034"/>
       </p:ext>
     </p:extLst>
   </p:cSld>
@@ -1701,7 +1701,7 @@
     </p:spTree>
     <p:extLst>
       <p:ext uri="{BB962C8B-B14F-4D97-AF65-F5344CB8AC3E}">
-        <p14:creationId xmlns:p14="http://schemas.microsoft.com/office/powerpoint/2010/main" val="3521675212"/>
+        <p14:creationId xmlns:p14="http://schemas.microsoft.com/office/powerpoint/2010/main" xmlns="" val="3521675212"/>
       </p:ext>
     </p:extLst>
   </p:cSld>
@@ -1788,7 +1788,7 @@
     </p:spTree>
     <p:extLst>
       <p:ext uri="{BB962C8B-B14F-4D97-AF65-F5344CB8AC3E}">
-        <p14:creationId xmlns:p14="http://schemas.microsoft.com/office/powerpoint/2010/main" val="1169602917"/>
+        <p14:creationId xmlns:p14="http://schemas.microsoft.com/office/powerpoint/2010/main" xmlns="" val="1169602917"/>
       </p:ext>
     </p:extLst>
   </p:cSld>
@@ -1875,7 +1875,7 @@
     </p:spTree>
     <p:extLst>
       <p:ext uri="{BB962C8B-B14F-4D97-AF65-F5344CB8AC3E}">
-        <p14:creationId xmlns:p14="http://schemas.microsoft.com/office/powerpoint/2010/main" val="526745339"/>
+        <p14:creationId xmlns:p14="http://schemas.microsoft.com/office/powerpoint/2010/main" xmlns="" val="526745339"/>
       </p:ext>
     </p:extLst>
   </p:cSld>
@@ -1960,7 +1960,7 @@
     </p:spTree>
     <p:extLst>
       <p:ext uri="{BB962C8B-B14F-4D97-AF65-F5344CB8AC3E}">
-        <p14:creationId xmlns:p14="http://schemas.microsoft.com/office/powerpoint/2010/main" val="2696939215"/>
+        <p14:creationId xmlns:p14="http://schemas.microsoft.com/office/powerpoint/2010/main" xmlns="" val="2696939215"/>
       </p:ext>
     </p:extLst>
   </p:cSld>
@@ -2045,7 +2045,7 @@
     </p:spTree>
     <p:extLst>
       <p:ext uri="{BB962C8B-B14F-4D97-AF65-F5344CB8AC3E}">
-        <p14:creationId xmlns:p14="http://schemas.microsoft.com/office/powerpoint/2010/main" val="1167738977"/>
+        <p14:creationId xmlns:p14="http://schemas.microsoft.com/office/powerpoint/2010/main" xmlns="" val="1167738977"/>
       </p:ext>
     </p:extLst>
   </p:cSld>
@@ -2130,7 +2130,7 @@
     </p:spTree>
     <p:extLst>
       <p:ext uri="{BB962C8B-B14F-4D97-AF65-F5344CB8AC3E}">
-        <p14:creationId xmlns:p14="http://schemas.microsoft.com/office/powerpoint/2010/main" val="4065058281"/>
+        <p14:creationId xmlns:p14="http://schemas.microsoft.com/office/powerpoint/2010/main" xmlns="" val="4065058281"/>
       </p:ext>
     </p:extLst>
   </p:cSld>
@@ -2215,7 +2215,7 @@
     </p:spTree>
     <p:extLst>
       <p:ext uri="{BB962C8B-B14F-4D97-AF65-F5344CB8AC3E}">
-        <p14:creationId xmlns:p14="http://schemas.microsoft.com/office/powerpoint/2010/main" val="1991319448"/>
+        <p14:creationId xmlns:p14="http://schemas.microsoft.com/office/powerpoint/2010/main" xmlns="" val="1991319448"/>
       </p:ext>
     </p:extLst>
   </p:cSld>
@@ -2300,7 +2300,7 @@
     </p:spTree>
     <p:extLst>
       <p:ext uri="{BB962C8B-B14F-4D97-AF65-F5344CB8AC3E}">
-        <p14:creationId xmlns:p14="http://schemas.microsoft.com/office/powerpoint/2010/main" val="1908486305"/>
+        <p14:creationId xmlns:p14="http://schemas.microsoft.com/office/powerpoint/2010/main" xmlns="" val="1908486305"/>
       </p:ext>
     </p:extLst>
   </p:cSld>
@@ -2385,7 +2385,7 @@
     </p:spTree>
     <p:extLst>
       <p:ext uri="{BB962C8B-B14F-4D97-AF65-F5344CB8AC3E}">
-        <p14:creationId xmlns:p14="http://schemas.microsoft.com/office/powerpoint/2010/main" val="2467651555"/>
+        <p14:creationId xmlns:p14="http://schemas.microsoft.com/office/powerpoint/2010/main" xmlns="" val="2467651555"/>
       </p:ext>
     </p:extLst>
   </p:cSld>
@@ -2470,7 +2470,7 @@
     </p:spTree>
     <p:extLst>
       <p:ext uri="{BB962C8B-B14F-4D97-AF65-F5344CB8AC3E}">
-        <p14:creationId xmlns:p14="http://schemas.microsoft.com/office/powerpoint/2010/main" val="85460686"/>
+        <p14:creationId xmlns:p14="http://schemas.microsoft.com/office/powerpoint/2010/main" xmlns="" val="85460686"/>
       </p:ext>
     </p:extLst>
   </p:cSld>
@@ -2555,7 +2555,7 @@
     </p:spTree>
     <p:extLst>
       <p:ext uri="{BB962C8B-B14F-4D97-AF65-F5344CB8AC3E}">
-        <p14:creationId xmlns:p14="http://schemas.microsoft.com/office/powerpoint/2010/main" val="3273561838"/>
+        <p14:creationId xmlns:p14="http://schemas.microsoft.com/office/powerpoint/2010/main" xmlns="" val="3273561838"/>
       </p:ext>
     </p:extLst>
   </p:cSld>
@@ -2640,7 +2640,7 @@
     </p:spTree>
     <p:extLst>
       <p:ext uri="{BB962C8B-B14F-4D97-AF65-F5344CB8AC3E}">
-        <p14:creationId xmlns:p14="http://schemas.microsoft.com/office/powerpoint/2010/main" val="1739587745"/>
+        <p14:creationId xmlns:p14="http://schemas.microsoft.com/office/powerpoint/2010/main" xmlns="" val="1739587745"/>
       </p:ext>
     </p:extLst>
   </p:cSld>
@@ -2725,7 +2725,7 @@
     </p:spTree>
     <p:extLst>
       <p:ext uri="{BB962C8B-B14F-4D97-AF65-F5344CB8AC3E}">
-        <p14:creationId xmlns:p14="http://schemas.microsoft.com/office/powerpoint/2010/main" val="2116255064"/>
+        <p14:creationId xmlns:p14="http://schemas.microsoft.com/office/powerpoint/2010/main" xmlns="" val="2116255064"/>
       </p:ext>
     </p:extLst>
   </p:cSld>
@@ -2812,7 +2812,7 @@
     </p:spTree>
     <p:extLst>
       <p:ext uri="{BB962C8B-B14F-4D97-AF65-F5344CB8AC3E}">
-        <p14:creationId xmlns:p14="http://schemas.microsoft.com/office/powerpoint/2010/main" val="2300346714"/>
+        <p14:creationId xmlns:p14="http://schemas.microsoft.com/office/powerpoint/2010/main" xmlns="" val="2300346714"/>
       </p:ext>
     </p:extLst>
   </p:cSld>
@@ -2897,7 +2897,7 @@
     </p:spTree>
     <p:extLst>
       <p:ext uri="{BB962C8B-B14F-4D97-AF65-F5344CB8AC3E}">
-        <p14:creationId xmlns:p14="http://schemas.microsoft.com/office/powerpoint/2010/main" val="3912679147"/>
+        <p14:creationId xmlns:p14="http://schemas.microsoft.com/office/powerpoint/2010/main" xmlns="" val="3912679147"/>
       </p:ext>
     </p:extLst>
   </p:cSld>
@@ -2982,7 +2982,7 @@
     </p:spTree>
     <p:extLst>
       <p:ext uri="{BB962C8B-B14F-4D97-AF65-F5344CB8AC3E}">
-        <p14:creationId xmlns:p14="http://schemas.microsoft.com/office/powerpoint/2010/main" val="2431832015"/>
+        <p14:creationId xmlns:p14="http://schemas.microsoft.com/office/powerpoint/2010/main" xmlns="" val="2431832015"/>
       </p:ext>
     </p:extLst>
   </p:cSld>
@@ -3067,7 +3067,7 @@
     </p:spTree>
     <p:extLst>
       <p:ext uri="{BB962C8B-B14F-4D97-AF65-F5344CB8AC3E}">
-        <p14:creationId xmlns:p14="http://schemas.microsoft.com/office/powerpoint/2010/main" val="3770758469"/>
+        <p14:creationId xmlns:p14="http://schemas.microsoft.com/office/powerpoint/2010/main" xmlns="" val="3770758469"/>
       </p:ext>
     </p:extLst>
   </p:cSld>
@@ -3154,7 +3154,7 @@
     </p:spTree>
     <p:extLst>
       <p:ext uri="{BB962C8B-B14F-4D97-AF65-F5344CB8AC3E}">
-        <p14:creationId xmlns:p14="http://schemas.microsoft.com/office/powerpoint/2010/main" val="289883203"/>
+        <p14:creationId xmlns:p14="http://schemas.microsoft.com/office/powerpoint/2010/main" xmlns="" val="289883203"/>
       </p:ext>
     </p:extLst>
   </p:cSld>
@@ -3239,7 +3239,7 @@
     </p:spTree>
     <p:extLst>
       <p:ext uri="{BB962C8B-B14F-4D97-AF65-F5344CB8AC3E}">
-        <p14:creationId xmlns:p14="http://schemas.microsoft.com/office/powerpoint/2010/main" val="276807091"/>
+        <p14:creationId xmlns:p14="http://schemas.microsoft.com/office/powerpoint/2010/main" xmlns="" val="276807091"/>
       </p:ext>
     </p:extLst>
   </p:cSld>
@@ -3324,7 +3324,7 @@
     </p:spTree>
     <p:extLst>
       <p:ext uri="{BB962C8B-B14F-4D97-AF65-F5344CB8AC3E}">
-        <p14:creationId xmlns:p14="http://schemas.microsoft.com/office/powerpoint/2010/main" val="968176951"/>
+        <p14:creationId xmlns:p14="http://schemas.microsoft.com/office/powerpoint/2010/main" xmlns="" val="968176951"/>
       </p:ext>
     </p:extLst>
   </p:cSld>
@@ -3409,7 +3409,7 @@
     </p:spTree>
     <p:extLst>
       <p:ext uri="{BB962C8B-B14F-4D97-AF65-F5344CB8AC3E}">
-        <p14:creationId xmlns:p14="http://schemas.microsoft.com/office/powerpoint/2010/main" val="2998788965"/>
+        <p14:creationId xmlns:p14="http://schemas.microsoft.com/office/powerpoint/2010/main" xmlns="" val="2998788965"/>
       </p:ext>
     </p:extLst>
   </p:cSld>
@@ -3494,7 +3494,7 @@
     </p:spTree>
     <p:extLst>
       <p:ext uri="{BB962C8B-B14F-4D97-AF65-F5344CB8AC3E}">
-        <p14:creationId xmlns:p14="http://schemas.microsoft.com/office/powerpoint/2010/main" val="3876042972"/>
+        <p14:creationId xmlns:p14="http://schemas.microsoft.com/office/powerpoint/2010/main" xmlns="" val="3876042972"/>
       </p:ext>
     </p:extLst>
   </p:cSld>
@@ -3579,7 +3579,7 @@
     </p:spTree>
     <p:extLst>
       <p:ext uri="{BB962C8B-B14F-4D97-AF65-F5344CB8AC3E}">
-        <p14:creationId xmlns:p14="http://schemas.microsoft.com/office/powerpoint/2010/main" val="4245219467"/>
+        <p14:creationId xmlns:p14="http://schemas.microsoft.com/office/powerpoint/2010/main" xmlns="" val="4245219467"/>
       </p:ext>
     </p:extLst>
   </p:cSld>
@@ -3666,7 +3666,7 @@
     </p:spTree>
     <p:extLst>
       <p:ext uri="{BB962C8B-B14F-4D97-AF65-F5344CB8AC3E}">
-        <p14:creationId xmlns:p14="http://schemas.microsoft.com/office/powerpoint/2010/main" val="1066432834"/>
+        <p14:creationId xmlns:p14="http://schemas.microsoft.com/office/powerpoint/2010/main" xmlns="" val="1066432834"/>
       </p:ext>
     </p:extLst>
   </p:cSld>
@@ -4176,7 +4176,7 @@
             <a:fld id="{8761FD00-3F21-42CF-9EF5-8F6D81CE3AFD}" type="datetimeFigureOut">
               <a:rPr lang="ko-KR" altLang="en-US" smtClean="0"/>
               <a:pPr/>
-              <a:t>2017-01-03</a:t>
+              <a:t>2018-06-13</a:t>
             </a:fld>
             <a:endParaRPr lang="ko-KR" altLang="en-US"/>
           </a:p>
@@ -4922,7 +4922,7 @@
             <a:fld id="{8761FD00-3F21-42CF-9EF5-8F6D81CE3AFD}" type="datetimeFigureOut">
               <a:rPr lang="ko-KR" altLang="en-US" smtClean="0"/>
               <a:pPr/>
-              <a:t>2017-01-03</a:t>
+              <a:t>2018-06-13</a:t>
             </a:fld>
             <a:endParaRPr lang="ko-KR" altLang="en-US"/>
           </a:p>
@@ -5235,7 +5235,7 @@
             <a:fld id="{8761FD00-3F21-42CF-9EF5-8F6D81CE3AFD}" type="datetimeFigureOut">
               <a:rPr lang="ko-KR" altLang="en-US" smtClean="0"/>
               <a:pPr/>
-              <a:t>2017-01-03</a:t>
+              <a:t>2018-06-13</a:t>
             </a:fld>
             <a:endParaRPr lang="ko-KR" altLang="en-US"/>
           </a:p>
@@ -5490,7 +5490,7 @@
             <a:fld id="{8761FD00-3F21-42CF-9EF5-8F6D81CE3AFD}" type="datetimeFigureOut">
               <a:rPr lang="ko-KR" altLang="en-US" smtClean="0"/>
               <a:pPr/>
-              <a:t>2017-01-03</a:t>
+              <a:t>2018-06-13</a:t>
             </a:fld>
             <a:endParaRPr lang="ko-KR" altLang="en-US" dirty="0"/>
           </a:p>
@@ -5716,7 +5716,7 @@
             <a:fld id="{8761FD00-3F21-42CF-9EF5-8F6D81CE3AFD}" type="datetimeFigureOut">
               <a:rPr lang="ko-KR" altLang="en-US" smtClean="0"/>
               <a:pPr/>
-              <a:t>2017-01-03</a:t>
+              <a:t>2018-06-13</a:t>
             </a:fld>
             <a:endParaRPr lang="ko-KR" altLang="en-US" dirty="0"/>
           </a:p>
@@ -5942,7 +5942,7 @@
             <a:fld id="{8761FD00-3F21-42CF-9EF5-8F6D81CE3AFD}" type="datetimeFigureOut">
               <a:rPr lang="ko-KR" altLang="en-US" smtClean="0"/>
               <a:pPr/>
-              <a:t>2017-01-03</a:t>
+              <a:t>2018-06-13</a:t>
             </a:fld>
             <a:endParaRPr lang="ko-KR" altLang="en-US" dirty="0"/>
           </a:p>
@@ -7429,7 +7429,7 @@
           <a:blip r:embed="rId5">
             <a:extLst>
               <a:ext uri="{28A0092B-C50C-407E-A947-70E740481C1C}">
-                <a14:useLocalDpi xmlns:a14="http://schemas.microsoft.com/office/drawing/2010/main" val="0"/>
+                <a14:useLocalDpi xmlns:a14="http://schemas.microsoft.com/office/drawing/2010/main" xmlns="" val="0"/>
               </a:ext>
             </a:extLst>
           </a:blip>
@@ -7449,7 +7449,7 @@
           <a:noFill/>
           <a:extLst>
             <a:ext uri="{909E8E84-426E-40DD-AFC4-6F175D3DCCD1}">
-              <a14:hiddenFill xmlns:a14="http://schemas.microsoft.com/office/drawing/2010/main">
+              <a14:hiddenFill xmlns:a14="http://schemas.microsoft.com/office/drawing/2010/main" xmlns="">
                 <a:solidFill>
                   <a:srgbClr val="FFFFFF"/>
                 </a:solidFill>
@@ -7519,7 +7519,7 @@
           <a:blip r:embed="rId6">
             <a:extLst>
               <a:ext uri="{28A0092B-C50C-407E-A947-70E740481C1C}">
-                <a14:useLocalDpi xmlns:a14="http://schemas.microsoft.com/office/drawing/2010/main" val="0"/>
+                <a14:useLocalDpi xmlns:a14="http://schemas.microsoft.com/office/drawing/2010/main" xmlns="" val="0"/>
               </a:ext>
             </a:extLst>
           </a:blip>
@@ -7539,7 +7539,7 @@
           <a:noFill/>
           <a:extLst>
             <a:ext uri="{909E8E84-426E-40DD-AFC4-6F175D3DCCD1}">
-              <a14:hiddenFill xmlns:a14="http://schemas.microsoft.com/office/drawing/2010/main">
+              <a14:hiddenFill xmlns:a14="http://schemas.microsoft.com/office/drawing/2010/main" xmlns="">
                 <a:solidFill>
                   <a:srgbClr val="FFFFFF"/>
                 </a:solidFill>
@@ -7551,7 +7551,7 @@
     </p:spTree>
     <p:extLst>
       <p:ext uri="{BB962C8B-B14F-4D97-AF65-F5344CB8AC3E}">
-        <p14:creationId xmlns:p14="http://schemas.microsoft.com/office/powerpoint/2010/main" val="3986730168"/>
+        <p14:creationId xmlns:p14="http://schemas.microsoft.com/office/powerpoint/2010/main" xmlns="" val="3986730168"/>
       </p:ext>
     </p:extLst>
   </p:cSld>
@@ -8001,19 +8001,6 @@
               <a:t>클래스는 </a:t>
             </a:r>
             <a:r>
-              <a:rPr lang="ko-KR" altLang="en-US" sz="1600" spc="-150" dirty="0" err="1" smtClean="0">
-                <a:ln w="0"/>
-                <a:effectLst>
-                  <a:outerShdw blurRad="38100" dist="19050" dir="2700000" algn="tl" rotWithShape="0">
-                    <a:schemeClr val="dk1">
-                      <a:alpha val="40000"/>
-                    </a:schemeClr>
-                  </a:outerShdw>
-                </a:effectLst>
-              </a:rPr>
-              <a:t>선언시</a:t>
-            </a:r>
-            <a:r>
               <a:rPr lang="ko-KR" altLang="en-US" sz="1600" spc="-150" dirty="0" smtClean="0">
                 <a:ln w="0"/>
                 <a:effectLst>
@@ -8024,7 +8011,20 @@
                   </a:outerShdw>
                 </a:effectLst>
               </a:rPr>
-              <a:t> 파스칼 표기법을 따름</a:t>
+              <a:t>선언 시 </a:t>
+            </a:r>
+            <a:r>
+              <a:rPr lang="ko-KR" altLang="en-US" sz="1600" spc="-150" dirty="0" smtClean="0">
+                <a:ln w="0"/>
+                <a:effectLst>
+                  <a:outerShdw blurRad="38100" dist="19050" dir="2700000" algn="tl" rotWithShape="0">
+                    <a:schemeClr val="dk1">
+                      <a:alpha val="40000"/>
+                    </a:schemeClr>
+                  </a:outerShdw>
+                </a:effectLst>
+              </a:rPr>
+              <a:t>파스칼 표기법을 따름</a:t>
             </a:r>
             <a:r>
               <a:rPr lang="en-US" altLang="ko-KR" sz="1600" spc="-150" dirty="0" smtClean="0">
@@ -8270,17 +8270,17 @@
               <a:t>객체가 </a:t>
             </a:r>
             <a:r>
-              <a:rPr lang="ko-KR" altLang="en-US" sz="1600" spc="-150" dirty="0" err="1">
-                <a:ln w="0"/>
-                <a:effectLst>
-                  <a:outerShdw blurRad="38100" dist="19050" dir="2700000" algn="tl" rotWithShape="0">
-                    <a:schemeClr val="dk1">
-                      <a:alpha val="40000"/>
-                    </a:schemeClr>
-                  </a:outerShdw>
-                </a:effectLst>
-              </a:rPr>
-              <a:t>생성될때</a:t>
+              <a:rPr lang="ko-KR" altLang="en-US" sz="1600" spc="-150" dirty="0" smtClean="0">
+                <a:ln w="0"/>
+                <a:effectLst>
+                  <a:outerShdw blurRad="38100" dist="19050" dir="2700000" algn="tl" rotWithShape="0">
+                    <a:schemeClr val="dk1">
+                      <a:alpha val="40000"/>
+                    </a:schemeClr>
+                  </a:outerShdw>
+                </a:effectLst>
+              </a:rPr>
+              <a:t>생성될 때 </a:t>
             </a:r>
             <a:r>
               <a:rPr lang="ko-KR" altLang="en-US" sz="1600" spc="-150" dirty="0">
@@ -8293,7 +8293,7 @@
                   </a:outerShdw>
                 </a:effectLst>
               </a:rPr>
-              <a:t> 초기화에 사용</a:t>
+              <a:t>초기화에 사용</a:t>
             </a:r>
             <a:r>
               <a:rPr lang="en-US" altLang="ko-KR" sz="1600" spc="-150" dirty="0" smtClean="0">
@@ -8420,7 +8420,7 @@
     </p:spTree>
     <p:extLst>
       <p:ext uri="{BB962C8B-B14F-4D97-AF65-F5344CB8AC3E}">
-        <p14:creationId xmlns:p14="http://schemas.microsoft.com/office/powerpoint/2010/main" val="2560776823"/>
+        <p14:creationId xmlns:p14="http://schemas.microsoft.com/office/powerpoint/2010/main" xmlns="" val="2560776823"/>
       </p:ext>
     </p:extLst>
   </p:cSld>
@@ -9575,7 +9575,7 @@
     </p:spTree>
     <p:extLst>
       <p:ext uri="{BB962C8B-B14F-4D97-AF65-F5344CB8AC3E}">
-        <p14:creationId xmlns:p14="http://schemas.microsoft.com/office/powerpoint/2010/main" val="1740824978"/>
+        <p14:creationId xmlns:p14="http://schemas.microsoft.com/office/powerpoint/2010/main" xmlns="" val="1740824978"/>
       </p:ext>
     </p:extLst>
   </p:cSld>
@@ -10555,7 +10555,7 @@
     </p:spTree>
     <p:extLst>
       <p:ext uri="{BB962C8B-B14F-4D97-AF65-F5344CB8AC3E}">
-        <p14:creationId xmlns:p14="http://schemas.microsoft.com/office/powerpoint/2010/main" val="4150761388"/>
+        <p14:creationId xmlns:p14="http://schemas.microsoft.com/office/powerpoint/2010/main" xmlns="" val="4150761388"/>
       </p:ext>
     </p:extLst>
   </p:cSld>
@@ -11262,7 +11262,7 @@
           <a:blip r:embed="rId4">
             <a:extLst>
               <a:ext uri="{28A0092B-C50C-407E-A947-70E740481C1C}">
-                <a14:useLocalDpi xmlns:a14="http://schemas.microsoft.com/office/drawing/2010/main" val="0"/>
+                <a14:useLocalDpi xmlns:a14="http://schemas.microsoft.com/office/drawing/2010/main" xmlns="" val="0"/>
               </a:ext>
             </a:extLst>
           </a:blip>
@@ -11331,7 +11331,7 @@
     </p:spTree>
     <p:extLst>
       <p:ext uri="{BB962C8B-B14F-4D97-AF65-F5344CB8AC3E}">
-        <p14:creationId xmlns:p14="http://schemas.microsoft.com/office/powerpoint/2010/main" val="1872730528"/>
+        <p14:creationId xmlns:p14="http://schemas.microsoft.com/office/powerpoint/2010/main" xmlns="" val="1872730528"/>
       </p:ext>
     </p:extLst>
   </p:cSld>
@@ -12441,7 +12441,7 @@
     </p:spTree>
     <p:extLst>
       <p:ext uri="{BB962C8B-B14F-4D97-AF65-F5344CB8AC3E}">
-        <p14:creationId xmlns:p14="http://schemas.microsoft.com/office/powerpoint/2010/main" val="1390030114"/>
+        <p14:creationId xmlns:p14="http://schemas.microsoft.com/office/powerpoint/2010/main" xmlns="" val="1390030114"/>
       </p:ext>
     </p:extLst>
   </p:cSld>
@@ -13253,7 +13253,7 @@
     </p:spTree>
     <p:extLst>
       <p:ext uri="{BB962C8B-B14F-4D97-AF65-F5344CB8AC3E}">
-        <p14:creationId xmlns:p14="http://schemas.microsoft.com/office/powerpoint/2010/main" val="1964042085"/>
+        <p14:creationId xmlns:p14="http://schemas.microsoft.com/office/powerpoint/2010/main" xmlns="" val="1964042085"/>
       </p:ext>
     </p:extLst>
   </p:cSld>
@@ -13810,7 +13810,7 @@
     </p:spTree>
     <p:extLst>
       <p:ext uri="{BB962C8B-B14F-4D97-AF65-F5344CB8AC3E}">
-        <p14:creationId xmlns:p14="http://schemas.microsoft.com/office/powerpoint/2010/main" val="1523916168"/>
+        <p14:creationId xmlns:p14="http://schemas.microsoft.com/office/powerpoint/2010/main" xmlns="" val="1523916168"/>
       </p:ext>
     </p:extLst>
   </p:cSld>
@@ -14648,17 +14648,17 @@
               <a:t>는 </a:t>
             </a:r>
             <a:r>
-              <a:rPr lang="ko-KR" altLang="en-US" sz="1600" spc="-150" dirty="0" err="1" smtClean="0">
-                <a:ln w="0"/>
-                <a:effectLst>
-                  <a:outerShdw blurRad="38100" dist="19050" dir="2700000" algn="tl" rotWithShape="0">
-                    <a:schemeClr val="dk1">
-                      <a:alpha val="40000"/>
-                    </a:schemeClr>
-                  </a:outerShdw>
-                </a:effectLst>
-              </a:rPr>
-              <a:t>이제그만</a:t>
+              <a:rPr lang="ko-KR" altLang="en-US" sz="1600" spc="-150" dirty="0" smtClean="0">
+                <a:ln w="0"/>
+                <a:effectLst>
+                  <a:outerShdw blurRad="38100" dist="19050" dir="2700000" algn="tl" rotWithShape="0">
+                    <a:schemeClr val="dk1">
+                      <a:alpha val="40000"/>
+                    </a:schemeClr>
+                  </a:outerShdw>
+                </a:effectLst>
+              </a:rPr>
+              <a:t>이제 그만</a:t>
             </a:r>
             <a:r>
               <a:rPr lang="en-US" altLang="ko-KR" sz="1600" spc="-150" dirty="0" smtClean="0">
@@ -14845,7 +14845,7 @@
             <a:blip r:embed="rId3" cstate="print">
               <a:extLst>
                 <a:ext uri="{28A0092B-C50C-407E-A947-70E740481C1C}">
-                  <a14:useLocalDpi xmlns:a14="http://schemas.microsoft.com/office/drawing/2010/main" val="0"/>
+                  <a14:useLocalDpi xmlns:a14="http://schemas.microsoft.com/office/drawing/2010/main" xmlns="" val="0"/>
                 </a:ext>
               </a:extLst>
             </a:blip>
@@ -14865,7 +14865,7 @@
             <a:noFill/>
             <a:extLst>
               <a:ext uri="{909E8E84-426E-40DD-AFC4-6F175D3DCCD1}">
-                <a14:hiddenFill xmlns:a14="http://schemas.microsoft.com/office/drawing/2010/main">
+                <a14:hiddenFill xmlns:a14="http://schemas.microsoft.com/office/drawing/2010/main" xmlns="">
                   <a:solidFill>
                     <a:srgbClr val="FFFFFF"/>
                   </a:solidFill>
@@ -15468,7 +15468,7 @@
     </p:spTree>
     <p:extLst>
       <p:ext uri="{BB962C8B-B14F-4D97-AF65-F5344CB8AC3E}">
-        <p14:creationId xmlns:p14="http://schemas.microsoft.com/office/powerpoint/2010/main" val="3288187887"/>
+        <p14:creationId xmlns:p14="http://schemas.microsoft.com/office/powerpoint/2010/main" xmlns="" val="3288187887"/>
       </p:ext>
     </p:extLst>
   </p:cSld>
@@ -15905,7 +15905,7 @@
             <a:blip r:embed="rId3" cstate="print">
               <a:extLst>
                 <a:ext uri="{28A0092B-C50C-407E-A947-70E740481C1C}">
-                  <a14:useLocalDpi xmlns:a14="http://schemas.microsoft.com/office/drawing/2010/main" val="0"/>
+                  <a14:useLocalDpi xmlns:a14="http://schemas.microsoft.com/office/drawing/2010/main" xmlns="" val="0"/>
                 </a:ext>
               </a:extLst>
             </a:blip>
@@ -15925,7 +15925,7 @@
             <a:noFill/>
             <a:extLst>
               <a:ext uri="{909E8E84-426E-40DD-AFC4-6F175D3DCCD1}">
-                <a14:hiddenFill xmlns:a14="http://schemas.microsoft.com/office/drawing/2010/main">
+                <a14:hiddenFill xmlns:a14="http://schemas.microsoft.com/office/drawing/2010/main" xmlns="">
                   <a:solidFill>
                     <a:srgbClr val="FFFFFF"/>
                   </a:solidFill>
@@ -16018,7 +16018,7 @@
           <a:blip r:embed="rId5" cstate="print">
             <a:extLst>
               <a:ext uri="{28A0092B-C50C-407E-A947-70E740481C1C}">
-                <a14:useLocalDpi xmlns:a14="http://schemas.microsoft.com/office/drawing/2010/main" val="0"/>
+                <a14:useLocalDpi xmlns:a14="http://schemas.microsoft.com/office/drawing/2010/main" xmlns="" val="0"/>
               </a:ext>
             </a:extLst>
           </a:blip>
@@ -16038,7 +16038,7 @@
           <a:noFill/>
           <a:extLst>
             <a:ext uri="{909E8E84-426E-40DD-AFC4-6F175D3DCCD1}">
-              <a14:hiddenFill xmlns:a14="http://schemas.microsoft.com/office/drawing/2010/main">
+              <a14:hiddenFill xmlns:a14="http://schemas.microsoft.com/office/drawing/2010/main" xmlns="">
                 <a:solidFill>
                   <a:srgbClr val="FFFFFF"/>
                 </a:solidFill>
@@ -16301,7 +16301,7 @@
     </p:spTree>
     <p:extLst>
       <p:ext uri="{BB962C8B-B14F-4D97-AF65-F5344CB8AC3E}">
-        <p14:creationId xmlns:p14="http://schemas.microsoft.com/office/powerpoint/2010/main" val="2136058670"/>
+        <p14:creationId xmlns:p14="http://schemas.microsoft.com/office/powerpoint/2010/main" xmlns="" val="2136058670"/>
       </p:ext>
     </p:extLst>
   </p:cSld>
@@ -16417,7 +16417,7 @@
     </p:spTree>
     <p:extLst>
       <p:ext uri="{BB962C8B-B14F-4D97-AF65-F5344CB8AC3E}">
-        <p14:creationId xmlns:p14="http://schemas.microsoft.com/office/powerpoint/2010/main" val="2819949206"/>
+        <p14:creationId xmlns:p14="http://schemas.microsoft.com/office/powerpoint/2010/main" xmlns="" val="2819949206"/>
       </p:ext>
     </p:extLst>
   </p:cSld>
@@ -16533,7 +16533,7 @@
     </p:spTree>
     <p:extLst>
       <p:ext uri="{BB962C8B-B14F-4D97-AF65-F5344CB8AC3E}">
-        <p14:creationId xmlns:p14="http://schemas.microsoft.com/office/powerpoint/2010/main" val="3097297906"/>
+        <p14:creationId xmlns:p14="http://schemas.microsoft.com/office/powerpoint/2010/main" xmlns="" val="3097297906"/>
       </p:ext>
     </p:extLst>
   </p:cSld>
@@ -17155,7 +17155,7 @@
     </p:spTree>
     <p:extLst>
       <p:ext uri="{BB962C8B-B14F-4D97-AF65-F5344CB8AC3E}">
-        <p14:creationId xmlns:p14="http://schemas.microsoft.com/office/powerpoint/2010/main" val="496509235"/>
+        <p14:creationId xmlns:p14="http://schemas.microsoft.com/office/powerpoint/2010/main" xmlns="" val="496509235"/>
       </p:ext>
     </p:extLst>
   </p:cSld>
@@ -17738,7 +17738,7 @@
     </p:spTree>
     <p:extLst>
       <p:ext uri="{BB962C8B-B14F-4D97-AF65-F5344CB8AC3E}">
-        <p14:creationId xmlns:p14="http://schemas.microsoft.com/office/powerpoint/2010/main" val="2692156124"/>
+        <p14:creationId xmlns:p14="http://schemas.microsoft.com/office/powerpoint/2010/main" xmlns="" val="2692156124"/>
       </p:ext>
     </p:extLst>
   </p:cSld>
@@ -19372,7 +19372,7 @@
     </p:spTree>
     <p:extLst>
       <p:ext uri="{BB962C8B-B14F-4D97-AF65-F5344CB8AC3E}">
-        <p14:creationId xmlns:p14="http://schemas.microsoft.com/office/powerpoint/2010/main" val="1662693036"/>
+        <p14:creationId xmlns:p14="http://schemas.microsoft.com/office/powerpoint/2010/main" xmlns="" val="1662693036"/>
       </p:ext>
     </p:extLst>
   </p:cSld>
@@ -19875,7 +19875,7 @@
     </p:spTree>
     <p:extLst>
       <p:ext uri="{BB962C8B-B14F-4D97-AF65-F5344CB8AC3E}">
-        <p14:creationId xmlns:p14="http://schemas.microsoft.com/office/powerpoint/2010/main" val="2802366611"/>
+        <p14:creationId xmlns:p14="http://schemas.microsoft.com/office/powerpoint/2010/main" xmlns="" val="2802366611"/>
       </p:ext>
     </p:extLst>
   </p:cSld>
@@ -20379,7 +20379,7 @@
     </p:spTree>
     <p:extLst>
       <p:ext uri="{BB962C8B-B14F-4D97-AF65-F5344CB8AC3E}">
-        <p14:creationId xmlns:p14="http://schemas.microsoft.com/office/powerpoint/2010/main" val="1333812978"/>
+        <p14:creationId xmlns:p14="http://schemas.microsoft.com/office/powerpoint/2010/main" xmlns="" val="1333812978"/>
       </p:ext>
     </p:extLst>
   </p:cSld>
@@ -20883,7 +20883,7 @@
     </p:spTree>
     <p:extLst>
       <p:ext uri="{BB962C8B-B14F-4D97-AF65-F5344CB8AC3E}">
-        <p14:creationId xmlns:p14="http://schemas.microsoft.com/office/powerpoint/2010/main" val="3773737012"/>
+        <p14:creationId xmlns:p14="http://schemas.microsoft.com/office/powerpoint/2010/main" xmlns="" val="3773737012"/>
       </p:ext>
     </p:extLst>
   </p:cSld>
@@ -21387,7 +21387,7 @@
     </p:spTree>
     <p:extLst>
       <p:ext uri="{BB962C8B-B14F-4D97-AF65-F5344CB8AC3E}">
-        <p14:creationId xmlns:p14="http://schemas.microsoft.com/office/powerpoint/2010/main" val="4042974738"/>
+        <p14:creationId xmlns:p14="http://schemas.microsoft.com/office/powerpoint/2010/main" xmlns="" val="4042974738"/>
       </p:ext>
     </p:extLst>
   </p:cSld>
@@ -21867,7 +21867,7 @@
     </p:spTree>
     <p:extLst>
       <p:ext uri="{BB962C8B-B14F-4D97-AF65-F5344CB8AC3E}">
-        <p14:creationId xmlns:p14="http://schemas.microsoft.com/office/powerpoint/2010/main" val="3642331421"/>
+        <p14:creationId xmlns:p14="http://schemas.microsoft.com/office/powerpoint/2010/main" xmlns="" val="3642331421"/>
       </p:ext>
     </p:extLst>
   </p:cSld>
@@ -22498,7 +22498,7 @@
           <a:blip r:embed="rId5">
             <a:extLst>
               <a:ext uri="{28A0092B-C50C-407E-A947-70E740481C1C}">
-                <a14:useLocalDpi xmlns:a14="http://schemas.microsoft.com/office/drawing/2010/main" val="0"/>
+                <a14:useLocalDpi xmlns:a14="http://schemas.microsoft.com/office/drawing/2010/main" xmlns="" val="0"/>
               </a:ext>
             </a:extLst>
           </a:blip>
@@ -22518,7 +22518,7 @@
           <a:noFill/>
           <a:extLst>
             <a:ext uri="{909E8E84-426E-40DD-AFC4-6F175D3DCCD1}">
-              <a14:hiddenFill xmlns:a14="http://schemas.microsoft.com/office/drawing/2010/main">
+              <a14:hiddenFill xmlns:a14="http://schemas.microsoft.com/office/drawing/2010/main" xmlns="">
                 <a:solidFill>
                   <a:srgbClr val="FFFFFF"/>
                 </a:solidFill>
@@ -22530,7 +22530,7 @@
     </p:spTree>
     <p:extLst>
       <p:ext uri="{BB962C8B-B14F-4D97-AF65-F5344CB8AC3E}">
-        <p14:creationId xmlns:p14="http://schemas.microsoft.com/office/powerpoint/2010/main" val="4247167697"/>
+        <p14:creationId xmlns:p14="http://schemas.microsoft.com/office/powerpoint/2010/main" xmlns="" val="4247167697"/>
       </p:ext>
     </p:extLst>
   </p:cSld>
@@ -23016,7 +23016,7 @@
     </p:spTree>
     <p:extLst>
       <p:ext uri="{BB962C8B-B14F-4D97-AF65-F5344CB8AC3E}">
-        <p14:creationId xmlns:p14="http://schemas.microsoft.com/office/powerpoint/2010/main" val="4151649740"/>
+        <p14:creationId xmlns:p14="http://schemas.microsoft.com/office/powerpoint/2010/main" xmlns="" val="4151649740"/>
       </p:ext>
     </p:extLst>
   </p:cSld>
@@ -23132,7 +23132,7 @@
     </p:spTree>
     <p:extLst>
       <p:ext uri="{BB962C8B-B14F-4D97-AF65-F5344CB8AC3E}">
-        <p14:creationId xmlns:p14="http://schemas.microsoft.com/office/powerpoint/2010/main" val="1332422539"/>
+        <p14:creationId xmlns:p14="http://schemas.microsoft.com/office/powerpoint/2010/main" xmlns="" val="1332422539"/>
       </p:ext>
     </p:extLst>
   </p:cSld>
@@ -23641,7 +23641,7 @@
     </p:spTree>
     <p:extLst>
       <p:ext uri="{BB962C8B-B14F-4D97-AF65-F5344CB8AC3E}">
-        <p14:creationId xmlns:p14="http://schemas.microsoft.com/office/powerpoint/2010/main" val="2499724392"/>
+        <p14:creationId xmlns:p14="http://schemas.microsoft.com/office/powerpoint/2010/main" xmlns="" val="2499724392"/>
       </p:ext>
     </p:extLst>
   </p:cSld>
@@ -24369,7 +24369,7 @@
           <a:blip r:embed="rId3">
             <a:extLst>
               <a:ext uri="{28A0092B-C50C-407E-A947-70E740481C1C}">
-                <a14:useLocalDpi xmlns:a14="http://schemas.microsoft.com/office/drawing/2010/main" val="0"/>
+                <a14:useLocalDpi xmlns:a14="http://schemas.microsoft.com/office/drawing/2010/main" xmlns="" val="0"/>
               </a:ext>
             </a:extLst>
           </a:blip>
@@ -24389,7 +24389,7 @@
           <a:noFill/>
           <a:extLst>
             <a:ext uri="{909E8E84-426E-40DD-AFC4-6F175D3DCCD1}">
-              <a14:hiddenFill xmlns:a14="http://schemas.microsoft.com/office/drawing/2010/main">
+              <a14:hiddenFill xmlns:a14="http://schemas.microsoft.com/office/drawing/2010/main" xmlns="">
                 <a:solidFill>
                   <a:srgbClr val="FFFFFF"/>
                 </a:solidFill>
@@ -24401,7 +24401,7 @@
     </p:spTree>
     <p:extLst>
       <p:ext uri="{BB962C8B-B14F-4D97-AF65-F5344CB8AC3E}">
-        <p14:creationId xmlns:p14="http://schemas.microsoft.com/office/powerpoint/2010/main" val="2432010350"/>
+        <p14:creationId xmlns:p14="http://schemas.microsoft.com/office/powerpoint/2010/main" xmlns="" val="2432010350"/>
       </p:ext>
     </p:extLst>
   </p:cSld>
@@ -24979,19 +24979,6 @@
               <a:t>가솔린 자동차는 출발 및 </a:t>
             </a:r>
             <a:r>
-              <a:rPr lang="ko-KR" altLang="en-US" sz="1600" spc="-150" dirty="0" err="1" smtClean="0">
-                <a:ln w="0"/>
-                <a:effectLst>
-                  <a:outerShdw blurRad="38100" dist="19050" dir="2700000" algn="tl" rotWithShape="0">
-                    <a:schemeClr val="dk1">
-                      <a:alpha val="40000"/>
-                    </a:schemeClr>
-                  </a:outerShdw>
-                </a:effectLst>
-              </a:rPr>
-              <a:t>가속시</a:t>
-            </a:r>
-            <a:r>
               <a:rPr lang="ko-KR" altLang="en-US" sz="1600" spc="-150" dirty="0" smtClean="0">
                 <a:ln w="0"/>
                 <a:effectLst>
@@ -25002,7 +24989,20 @@
                   </a:outerShdw>
                 </a:effectLst>
               </a:rPr>
-              <a:t> 엔진만 작동하며</a:t>
+              <a:t>가속 시 </a:t>
+            </a:r>
+            <a:r>
+              <a:rPr lang="ko-KR" altLang="en-US" sz="1600" spc="-150" dirty="0" smtClean="0">
+                <a:ln w="0"/>
+                <a:effectLst>
+                  <a:outerShdw blurRad="38100" dist="19050" dir="2700000" algn="tl" rotWithShape="0">
+                    <a:schemeClr val="dk1">
+                      <a:alpha val="40000"/>
+                    </a:schemeClr>
+                  </a:outerShdw>
+                </a:effectLst>
+              </a:rPr>
+              <a:t>엔진만 작동하며</a:t>
             </a:r>
             <a:r>
               <a:rPr lang="en-US" altLang="ko-KR" sz="1600" spc="-150" dirty="0" smtClean="0">
@@ -25018,19 +25018,6 @@
               <a:t>, </a:t>
             </a:r>
             <a:r>
-              <a:rPr lang="ko-KR" altLang="en-US" sz="1600" spc="-150" dirty="0" err="1" smtClean="0">
-                <a:ln w="0"/>
-                <a:effectLst>
-                  <a:outerShdw blurRad="38100" dist="19050" dir="2700000" algn="tl" rotWithShape="0">
-                    <a:schemeClr val="dk1">
-                      <a:alpha val="40000"/>
-                    </a:schemeClr>
-                  </a:outerShdw>
-                </a:effectLst>
-              </a:rPr>
-              <a:t>감속시</a:t>
-            </a:r>
-            <a:r>
               <a:rPr lang="ko-KR" altLang="en-US" sz="1600" spc="-150" dirty="0" smtClean="0">
                 <a:ln w="0"/>
                 <a:effectLst>
@@ -25041,7 +25028,20 @@
                   </a:outerShdw>
                 </a:effectLst>
               </a:rPr>
-              <a:t> 브레이크만 작동함</a:t>
+              <a:t>감속 시 </a:t>
+            </a:r>
+            <a:r>
+              <a:rPr lang="ko-KR" altLang="en-US" sz="1600" spc="-150" dirty="0" smtClean="0">
+                <a:ln w="0"/>
+                <a:effectLst>
+                  <a:outerShdw blurRad="38100" dist="19050" dir="2700000" algn="tl" rotWithShape="0">
+                    <a:schemeClr val="dk1">
+                      <a:alpha val="40000"/>
+                    </a:schemeClr>
+                  </a:outerShdw>
+                </a:effectLst>
+              </a:rPr>
+              <a:t>브레이크만 작동함</a:t>
             </a:r>
             <a:r>
               <a:rPr lang="en-US" altLang="ko-KR" sz="1600" spc="-150" dirty="0" smtClean="0">
@@ -25470,7 +25470,7 @@
           <a:blip r:embed="rId3">
             <a:extLst>
               <a:ext uri="{28A0092B-C50C-407E-A947-70E740481C1C}">
-                <a14:useLocalDpi xmlns:a14="http://schemas.microsoft.com/office/drawing/2010/main" val="0"/>
+                <a14:useLocalDpi xmlns:a14="http://schemas.microsoft.com/office/drawing/2010/main" xmlns="" val="0"/>
               </a:ext>
             </a:extLst>
           </a:blip>
@@ -25490,7 +25490,7 @@
           <a:noFill/>
           <a:extLst>
             <a:ext uri="{909E8E84-426E-40DD-AFC4-6F175D3DCCD1}">
-              <a14:hiddenFill xmlns:a14="http://schemas.microsoft.com/office/drawing/2010/main">
+              <a14:hiddenFill xmlns:a14="http://schemas.microsoft.com/office/drawing/2010/main" xmlns="">
                 <a:solidFill>
                   <a:srgbClr val="FFFFFF"/>
                 </a:solidFill>
@@ -25511,7 +25511,7 @@
           <a:blip r:embed="rId4">
             <a:extLst>
               <a:ext uri="{28A0092B-C50C-407E-A947-70E740481C1C}">
-                <a14:useLocalDpi xmlns:a14="http://schemas.microsoft.com/office/drawing/2010/main" val="0"/>
+                <a14:useLocalDpi xmlns:a14="http://schemas.microsoft.com/office/drawing/2010/main" xmlns="" val="0"/>
               </a:ext>
             </a:extLst>
           </a:blip>
@@ -25531,7 +25531,7 @@
           <a:noFill/>
           <a:extLst>
             <a:ext uri="{909E8E84-426E-40DD-AFC4-6F175D3DCCD1}">
-              <a14:hiddenFill xmlns:a14="http://schemas.microsoft.com/office/drawing/2010/main">
+              <a14:hiddenFill xmlns:a14="http://schemas.microsoft.com/office/drawing/2010/main" xmlns="">
                 <a:solidFill>
                   <a:srgbClr val="FFFFFF"/>
                 </a:solidFill>
@@ -25543,7 +25543,7 @@
     </p:spTree>
     <p:extLst>
       <p:ext uri="{BB962C8B-B14F-4D97-AF65-F5344CB8AC3E}">
-        <p14:creationId xmlns:p14="http://schemas.microsoft.com/office/powerpoint/2010/main" val="1198475738"/>
+        <p14:creationId xmlns:p14="http://schemas.microsoft.com/office/powerpoint/2010/main" xmlns="" val="1198475738"/>
       </p:ext>
     </p:extLst>
   </p:cSld>
@@ -25659,7 +25659,7 @@
     </p:spTree>
     <p:extLst>
       <p:ext uri="{BB962C8B-B14F-4D97-AF65-F5344CB8AC3E}">
-        <p14:creationId xmlns:p14="http://schemas.microsoft.com/office/powerpoint/2010/main" val="3444039648"/>
+        <p14:creationId xmlns:p14="http://schemas.microsoft.com/office/powerpoint/2010/main" xmlns="" val="3444039648"/>
       </p:ext>
     </p:extLst>
   </p:cSld>
@@ -26177,7 +26177,7 @@
               <a:t>List </a:t>
             </a:r>
             <a:r>
-              <a:rPr lang="ko-KR" altLang="en-US" sz="1600" spc="-150" dirty="0" err="1" smtClean="0">
+              <a:rPr lang="ko-KR" altLang="en-US" sz="1600" spc="-150" dirty="0" smtClean="0">
                 <a:ln w="0"/>
                 <a:effectLst>
                   <a:outerShdw blurRad="38100" dist="19050" dir="2700000" algn="tl" rotWithShape="0">
@@ -26188,21 +26188,7 @@
                 </a:effectLst>
                 <a:ea typeface="맑은 고딕" panose="020B0503020000020004" pitchFamily="50" charset="-127"/>
               </a:rPr>
-              <a:t>초기화시</a:t>
-            </a:r>
-            <a:r>
-              <a:rPr lang="ko-KR" altLang="en-US" sz="1600" spc="-150" dirty="0" smtClean="0">
-                <a:ln w="0"/>
-                <a:effectLst>
-                  <a:outerShdw blurRad="38100" dist="19050" dir="2700000" algn="tl" rotWithShape="0">
-                    <a:schemeClr val="dk1">
-                      <a:alpha val="40000"/>
-                    </a:schemeClr>
-                  </a:outerShdw>
-                </a:effectLst>
-                <a:ea typeface="맑은 고딕" panose="020B0503020000020004" pitchFamily="50" charset="-127"/>
-              </a:rPr>
-              <a:t> </a:t>
+              <a:t>초기화 시 </a:t>
             </a:r>
             <a:r>
               <a:rPr lang="en-US" altLang="ko-KR" sz="1600" spc="-150" dirty="0" smtClean="0">
@@ -26352,7 +26338,7 @@
     </p:spTree>
     <p:extLst>
       <p:ext uri="{BB962C8B-B14F-4D97-AF65-F5344CB8AC3E}">
-        <p14:creationId xmlns:p14="http://schemas.microsoft.com/office/powerpoint/2010/main" val="3474930652"/>
+        <p14:creationId xmlns:p14="http://schemas.microsoft.com/office/powerpoint/2010/main" xmlns="" val="3474930652"/>
       </p:ext>
     </p:extLst>
   </p:cSld>
@@ -27449,7 +27435,7 @@
           <a:blip r:embed="rId3">
             <a:extLst>
               <a:ext uri="{28A0092B-C50C-407E-A947-70E740481C1C}">
-                <a14:useLocalDpi xmlns:a14="http://schemas.microsoft.com/office/drawing/2010/main" val="0"/>
+                <a14:useLocalDpi xmlns:a14="http://schemas.microsoft.com/office/drawing/2010/main" xmlns="" val="0"/>
               </a:ext>
             </a:extLst>
           </a:blip>
@@ -27469,7 +27455,7 @@
           <a:noFill/>
           <a:extLst>
             <a:ext uri="{909E8E84-426E-40DD-AFC4-6F175D3DCCD1}">
-              <a14:hiddenFill xmlns:a14="http://schemas.microsoft.com/office/drawing/2010/main">
+              <a14:hiddenFill xmlns:a14="http://schemas.microsoft.com/office/drawing/2010/main" xmlns="">
                 <a:solidFill>
                   <a:srgbClr val="FFFFFF"/>
                 </a:solidFill>
@@ -27490,7 +27476,7 @@
           <a:blip r:embed="rId4">
             <a:extLst>
               <a:ext uri="{28A0092B-C50C-407E-A947-70E740481C1C}">
-                <a14:useLocalDpi xmlns:a14="http://schemas.microsoft.com/office/drawing/2010/main" val="0"/>
+                <a14:useLocalDpi xmlns:a14="http://schemas.microsoft.com/office/drawing/2010/main" xmlns="" val="0"/>
               </a:ext>
             </a:extLst>
           </a:blip>
@@ -27510,7 +27496,7 @@
           <a:noFill/>
           <a:extLst>
             <a:ext uri="{909E8E84-426E-40DD-AFC4-6F175D3DCCD1}">
-              <a14:hiddenFill xmlns:a14="http://schemas.microsoft.com/office/drawing/2010/main">
+              <a14:hiddenFill xmlns:a14="http://schemas.microsoft.com/office/drawing/2010/main" xmlns="">
                 <a:solidFill>
                   <a:srgbClr val="FFFFFF"/>
                 </a:solidFill>
@@ -27653,7 +27639,7 @@
     </p:spTree>
     <p:extLst>
       <p:ext uri="{BB962C8B-B14F-4D97-AF65-F5344CB8AC3E}">
-        <p14:creationId xmlns:p14="http://schemas.microsoft.com/office/powerpoint/2010/main" val="4060782527"/>
+        <p14:creationId xmlns:p14="http://schemas.microsoft.com/office/powerpoint/2010/main" xmlns="" val="4060782527"/>
       </p:ext>
     </p:extLst>
   </p:cSld>
@@ -28381,17 +28367,30 @@
               <a:t>큐는 양쪽 모두 </a:t>
             </a:r>
             <a:r>
-              <a:rPr lang="ko-KR" altLang="en-US" sz="1600" spc="-150" dirty="0" err="1">
-                <a:ln w="0"/>
-                <a:effectLst>
-                  <a:outerShdw blurRad="38100" dist="19050" dir="2700000" algn="tl" rotWithShape="0">
-                    <a:schemeClr val="dk1">
-                      <a:alpha val="40000"/>
-                    </a:schemeClr>
-                  </a:outerShdw>
-                </a:effectLst>
-              </a:rPr>
-              <a:t>뚤려있다</a:t>
+              <a:rPr lang="ko-KR" altLang="en-US" sz="1600" spc="-150" dirty="0" smtClean="0">
+                <a:ln w="0"/>
+                <a:effectLst>
+                  <a:outerShdw blurRad="38100" dist="19050" dir="2700000" algn="tl" rotWithShape="0">
+                    <a:schemeClr val="dk1">
+                      <a:alpha val="40000"/>
+                    </a:schemeClr>
+                  </a:outerShdw>
+                </a:effectLst>
+              </a:rPr>
+              <a:t>뚫</a:t>
+            </a:r>
+            <a:r>
+              <a:rPr lang="ko-KR" altLang="en-US" sz="1600" spc="-150" dirty="0" smtClean="0">
+                <a:ln w="0"/>
+                <a:effectLst>
+                  <a:outerShdw blurRad="38100" dist="19050" dir="2700000" algn="tl" rotWithShape="0">
+                    <a:schemeClr val="dk1">
+                      <a:alpha val="40000"/>
+                    </a:schemeClr>
+                  </a:outerShdw>
+                </a:effectLst>
+              </a:rPr>
+              <a:t>려있다</a:t>
             </a:r>
             <a:r>
               <a:rPr lang="en-US" altLang="ko-KR" sz="1600" spc="-150" dirty="0">
@@ -28475,30 +28474,17 @@
               <a:t>, </a:t>
             </a:r>
             <a:r>
-              <a:rPr lang="ko-KR" altLang="en-US" sz="1600" spc="-150" dirty="0" err="1">
-                <a:ln w="0"/>
-                <a:effectLst>
-                  <a:outerShdw blurRad="38100" dist="19050" dir="2700000" algn="tl" rotWithShape="0">
-                    <a:schemeClr val="dk1">
-                      <a:alpha val="40000"/>
-                    </a:schemeClr>
-                  </a:outerShdw>
-                </a:effectLst>
-              </a:rPr>
-              <a:t>다른쪽에서는</a:t>
-            </a:r>
-            <a:r>
-              <a:rPr lang="ko-KR" altLang="en-US" sz="1600" spc="-150" dirty="0">
-                <a:ln w="0"/>
-                <a:effectLst>
-                  <a:outerShdw blurRad="38100" dist="19050" dir="2700000" algn="tl" rotWithShape="0">
-                    <a:schemeClr val="dk1">
-                      <a:alpha val="40000"/>
-                    </a:schemeClr>
-                  </a:outerShdw>
-                </a:effectLst>
-              </a:rPr>
-              <a:t> </a:t>
+              <a:rPr lang="ko-KR" altLang="en-US" sz="1600" spc="-150" dirty="0" smtClean="0">
+                <a:ln w="0"/>
+                <a:effectLst>
+                  <a:outerShdw blurRad="38100" dist="19050" dir="2700000" algn="tl" rotWithShape="0">
+                    <a:schemeClr val="dk1">
+                      <a:alpha val="40000"/>
+                    </a:schemeClr>
+                  </a:outerShdw>
+                </a:effectLst>
+              </a:rPr>
+              <a:t>다른 쪽에서는 </a:t>
             </a:r>
             <a:r>
               <a:rPr lang="ko-KR" altLang="en-US" sz="1600" spc="-150" dirty="0" err="1">
@@ -28803,7 +28789,7 @@
           <a:blip r:embed="rId4">
             <a:extLst>
               <a:ext uri="{28A0092B-C50C-407E-A947-70E740481C1C}">
-                <a14:useLocalDpi xmlns:a14="http://schemas.microsoft.com/office/drawing/2010/main" val="0"/>
+                <a14:useLocalDpi xmlns:a14="http://schemas.microsoft.com/office/drawing/2010/main" xmlns="" val="0"/>
               </a:ext>
             </a:extLst>
           </a:blip>
@@ -28823,7 +28809,7 @@
           <a:noFill/>
           <a:extLst>
             <a:ext uri="{909E8E84-426E-40DD-AFC4-6F175D3DCCD1}">
-              <a14:hiddenFill xmlns:a14="http://schemas.microsoft.com/office/drawing/2010/main">
+              <a14:hiddenFill xmlns:a14="http://schemas.microsoft.com/office/drawing/2010/main" xmlns="">
                 <a:solidFill>
                   <a:srgbClr val="FFFFFF"/>
                 </a:solidFill>
@@ -28859,7 +28845,7 @@
     </p:spTree>
     <p:extLst>
       <p:ext uri="{BB962C8B-B14F-4D97-AF65-F5344CB8AC3E}">
-        <p14:creationId xmlns:p14="http://schemas.microsoft.com/office/powerpoint/2010/main" val="1268581250"/>
+        <p14:creationId xmlns:p14="http://schemas.microsoft.com/office/powerpoint/2010/main" xmlns="" val="1268581250"/>
       </p:ext>
     </p:extLst>
   </p:cSld>
@@ -29472,7 +29458,7 @@
     </p:spTree>
     <p:extLst>
       <p:ext uri="{BB962C8B-B14F-4D97-AF65-F5344CB8AC3E}">
-        <p14:creationId xmlns:p14="http://schemas.microsoft.com/office/powerpoint/2010/main" val="2527965050"/>
+        <p14:creationId xmlns:p14="http://schemas.microsoft.com/office/powerpoint/2010/main" xmlns="" val="2527965050"/>
       </p:ext>
     </p:extLst>
   </p:cSld>
@@ -30100,7 +30086,7 @@
     </p:spTree>
     <p:extLst>
       <p:ext uri="{BB962C8B-B14F-4D97-AF65-F5344CB8AC3E}">
-        <p14:creationId xmlns:p14="http://schemas.microsoft.com/office/powerpoint/2010/main" val="555679285"/>
+        <p14:creationId xmlns:p14="http://schemas.microsoft.com/office/powerpoint/2010/main" xmlns="" val="555679285"/>
       </p:ext>
     </p:extLst>
   </p:cSld>
@@ -30216,7 +30202,7 @@
     </p:spTree>
     <p:extLst>
       <p:ext uri="{BB962C8B-B14F-4D97-AF65-F5344CB8AC3E}">
-        <p14:creationId xmlns:p14="http://schemas.microsoft.com/office/powerpoint/2010/main" val="1081644103"/>
+        <p14:creationId xmlns:p14="http://schemas.microsoft.com/office/powerpoint/2010/main" xmlns="" val="1081644103"/>
       </p:ext>
     </p:extLst>
   </p:cSld>
